--- a/DbConf - Złączenia w modelu MapReduce - Wersja Pełna.pptx
+++ b/DbConf - Złączenia w modelu MapReduce - Wersja Pełna.pptx
@@ -364,11 +364,11 @@
         </c:dLbls>
         <c:gapWidth val="219"/>
         <c:overlap val="-27"/>
-        <c:axId val="311851808"/>
-        <c:axId val="311851024"/>
+        <c:axId val="319925504"/>
+        <c:axId val="319921976"/>
       </c:barChart>
       <c:catAx>
-        <c:axId val="311851808"/>
+        <c:axId val="319925504"/>
         <c:scaling>
           <c:orientation val="minMax"/>
         </c:scaling>
@@ -466,7 +466,7 @@
             <a:endParaRPr lang="pl-PL"/>
           </a:p>
         </c:txPr>
-        <c:crossAx val="311851024"/>
+        <c:crossAx val="319921976"/>
         <c:crosses val="autoZero"/>
         <c:auto val="1"/>
         <c:lblAlgn val="ctr"/>
@@ -474,7 +474,7 @@
         <c:noMultiLvlLbl val="0"/>
       </c:catAx>
       <c:valAx>
-        <c:axId val="311851024"/>
+        <c:axId val="319921976"/>
         <c:scaling>
           <c:orientation val="minMax"/>
         </c:scaling>
@@ -590,7 +590,7 @@
             <a:endParaRPr lang="pl-PL"/>
           </a:p>
         </c:txPr>
-        <c:crossAx val="311851808"/>
+        <c:crossAx val="319925504"/>
         <c:crosses val="autoZero"/>
         <c:crossBetween val="between"/>
       </c:valAx>
@@ -822,11 +822,11 @@
         </c:dLbls>
         <c:gapWidth val="219"/>
         <c:overlap val="-27"/>
-        <c:axId val="305565944"/>
-        <c:axId val="218436096"/>
+        <c:axId val="264425328"/>
+        <c:axId val="268392544"/>
       </c:barChart>
       <c:catAx>
-        <c:axId val="305565944"/>
+        <c:axId val="264425328"/>
         <c:scaling>
           <c:orientation val="minMax"/>
         </c:scaling>
@@ -924,7 +924,7 @@
             <a:endParaRPr lang="pl-PL"/>
           </a:p>
         </c:txPr>
-        <c:crossAx val="218436096"/>
+        <c:crossAx val="268392544"/>
         <c:crosses val="autoZero"/>
         <c:auto val="1"/>
         <c:lblAlgn val="ctr"/>
@@ -932,7 +932,7 @@
         <c:noMultiLvlLbl val="0"/>
       </c:catAx>
       <c:valAx>
-        <c:axId val="218436096"/>
+        <c:axId val="268392544"/>
         <c:scaling>
           <c:orientation val="minMax"/>
         </c:scaling>
@@ -1048,7 +1048,7 @@
             <a:endParaRPr lang="pl-PL"/>
           </a:p>
         </c:txPr>
-        <c:crossAx val="305565944"/>
+        <c:crossAx val="264425328"/>
         <c:crosses val="autoZero"/>
         <c:crossBetween val="between"/>
       </c:valAx>
@@ -4917,7 +4917,7 @@
           <a:p>
             <a:fld id="{59B9AD82-DDF1-4270-ACD9-442D1463AB9D}" type="datetimeFigureOut">
               <a:rPr lang="pl-PL" smtClean="0"/>
-              <a:t>2015-10-21</a:t>
+              <a:t>2015-10-22</a:t>
             </a:fld>
             <a:endParaRPr lang="pl-PL" dirty="0"/>
           </a:p>
@@ -5082,7 +5082,7 @@
           <a:p>
             <a:fld id="{7C3D76BE-27D7-443E-B3DE-A6950B964F01}" type="datetimeFigureOut">
               <a:rPr lang="pl-PL" smtClean="0"/>
-              <a:t>2015-10-21</a:t>
+              <a:t>2015-10-22</a:t>
             </a:fld>
             <a:endParaRPr lang="pl-PL" dirty="0"/>
           </a:p>
@@ -15734,7 +15734,7 @@
           <a:p>
             <a:fld id="{EB1615DA-D705-47A5-8624-E86A402AAB8A}" type="datetime1">
               <a:rPr lang="pl-PL" smtClean="0"/>
-              <a:t>2015-10-21</a:t>
+              <a:t>2015-10-22</a:t>
             </a:fld>
             <a:endParaRPr lang="pl-PL" dirty="0"/>
           </a:p>
@@ -16028,7 +16028,7 @@
           <a:p>
             <a:fld id="{BC9882A8-70E0-4361-B238-40D230230F64}" type="datetime1">
               <a:rPr lang="pl-PL" smtClean="0"/>
-              <a:t>2015-10-21</a:t>
+              <a:t>2015-10-22</a:t>
             </a:fld>
             <a:endParaRPr lang="pl-PL" dirty="0"/>
           </a:p>
@@ -16205,7 +16205,7 @@
           <a:p>
             <a:fld id="{520851BA-77DA-4D8B-8802-607D8E1A3F34}" type="datetime1">
               <a:rPr lang="pl-PL" smtClean="0"/>
-              <a:t>2015-10-21</a:t>
+              <a:t>2015-10-22</a:t>
             </a:fld>
             <a:endParaRPr lang="pl-PL" dirty="0"/>
           </a:p>
@@ -16335,7 +16335,7 @@
           <a:p>
             <a:fld id="{9A786E82-90BC-4350-87B7-E8F1ABE96372}" type="datetime1">
               <a:rPr lang="pl-PL" smtClean="0"/>
-              <a:t>2015-10-21</a:t>
+              <a:t>2015-10-22</a:t>
             </a:fld>
             <a:endParaRPr lang="pl-PL" dirty="0"/>
           </a:p>
@@ -16558,7 +16558,7 @@
           <a:p>
             <a:fld id="{A0DCFC4D-0A3E-4128-BA20-DFAA81B34B5A}" type="datetime1">
               <a:rPr lang="pl-PL" smtClean="0"/>
-              <a:t>2015-10-21</a:t>
+              <a:t>2015-10-22</a:t>
             </a:fld>
             <a:endParaRPr lang="pl-PL" dirty="0"/>
           </a:p>
@@ -16991,7 +16991,7 @@
           <a:p>
             <a:fld id="{5C0EE709-694E-4B0D-AF33-4606F8D0436B}" type="datetime1">
               <a:rPr lang="pl-PL" smtClean="0"/>
-              <a:t>2015-10-21</a:t>
+              <a:t>2015-10-22</a:t>
             </a:fld>
             <a:endParaRPr lang="pl-PL" dirty="0"/>
           </a:p>
@@ -17230,7 +17230,7 @@
           <a:p>
             <a:fld id="{68C5D55E-A0E3-4161-B6D7-AE55DC847B5A}" type="datetime1">
               <a:rPr lang="pl-PL" smtClean="0"/>
-              <a:t>2015-10-21</a:t>
+              <a:t>2015-10-22</a:t>
             </a:fld>
             <a:endParaRPr lang="pl-PL" dirty="0"/>
           </a:p>
@@ -17604,7 +17604,7 @@
           <a:p>
             <a:fld id="{CD962D76-0FB0-4AB7-8259-2D09CE71C8D1}" type="datetime1">
               <a:rPr lang="pl-PL" smtClean="0"/>
-              <a:t>2015-10-21</a:t>
+              <a:t>2015-10-22</a:t>
             </a:fld>
             <a:endParaRPr lang="pl-PL" dirty="0"/>
           </a:p>
@@ -17729,7 +17729,7 @@
           <a:p>
             <a:fld id="{E05A4A88-139D-4DB8-93B8-34BD81C591AC}" type="datetime1">
               <a:rPr lang="pl-PL" smtClean="0"/>
-              <a:t>2015-10-21</a:t>
+              <a:t>2015-10-22</a:t>
             </a:fld>
             <a:endParaRPr lang="pl-PL" dirty="0"/>
           </a:p>
@@ -17861,7 +17861,7 @@
           <a:p>
             <a:fld id="{CB4199E4-FBC3-4F7A-A512-17469B9BCEC1}" type="datetime1">
               <a:rPr lang="pl-PL" smtClean="0"/>
-              <a:t>2015-10-21</a:t>
+              <a:t>2015-10-22</a:t>
             </a:fld>
             <a:endParaRPr lang="pl-PL" dirty="0"/>
           </a:p>
@@ -18111,7 +18111,7 @@
           <a:p>
             <a:fld id="{12379EF3-71E5-4A11-8AF3-F07009D6E33E}" type="datetime1">
               <a:rPr lang="pl-PL" smtClean="0"/>
-              <a:t>2015-10-21</a:t>
+              <a:t>2015-10-22</a:t>
             </a:fld>
             <a:endParaRPr lang="pl-PL" dirty="0"/>
           </a:p>
@@ -49939,8 +49939,12 @@
           <a:lstStyle/>
           <a:p>
             <a:r>
-              <a:rPr lang="pl-PL" dirty="0" smtClean="0"/>
-              <a:t>Dziękuje za uwagę</a:t>
+              <a:rPr lang="pl-PL" smtClean="0"/>
+              <a:t>Dziękuję </a:t>
+            </a:r>
+            <a:r>
+              <a:rPr lang="pl-PL" dirty="0" smtClean="0"/>
+              <a:t>za uwagę</a:t>
             </a:r>
             <a:endParaRPr lang="pl-PL" dirty="0"/>
           </a:p>

--- a/DbConf - Złączenia w modelu MapReduce - Wersja Pełna.pptx
+++ b/DbConf - Złączenia w modelu MapReduce - Wersja Pełna.pptx
@@ -364,11 +364,11 @@
         </c:dLbls>
         <c:gapWidth val="219"/>
         <c:overlap val="-27"/>
-        <c:axId val="319925504"/>
-        <c:axId val="319921976"/>
+        <c:axId val="391264352"/>
+        <c:axId val="391259256"/>
       </c:barChart>
       <c:catAx>
-        <c:axId val="319925504"/>
+        <c:axId val="391264352"/>
         <c:scaling>
           <c:orientation val="minMax"/>
         </c:scaling>
@@ -466,7 +466,7 @@
             <a:endParaRPr lang="pl-PL"/>
           </a:p>
         </c:txPr>
-        <c:crossAx val="319921976"/>
+        <c:crossAx val="391259256"/>
         <c:crosses val="autoZero"/>
         <c:auto val="1"/>
         <c:lblAlgn val="ctr"/>
@@ -474,7 +474,7 @@
         <c:noMultiLvlLbl val="0"/>
       </c:catAx>
       <c:valAx>
-        <c:axId val="319921976"/>
+        <c:axId val="391259256"/>
         <c:scaling>
           <c:orientation val="minMax"/>
         </c:scaling>
@@ -590,7 +590,7 @@
             <a:endParaRPr lang="pl-PL"/>
           </a:p>
         </c:txPr>
-        <c:crossAx val="319925504"/>
+        <c:crossAx val="391264352"/>
         <c:crosses val="autoZero"/>
         <c:crossBetween val="between"/>
       </c:valAx>
@@ -822,11 +822,11 @@
         </c:dLbls>
         <c:gapWidth val="219"/>
         <c:overlap val="-27"/>
-        <c:axId val="264425328"/>
-        <c:axId val="268392544"/>
+        <c:axId val="391266312"/>
+        <c:axId val="392036024"/>
       </c:barChart>
       <c:catAx>
-        <c:axId val="264425328"/>
+        <c:axId val="391266312"/>
         <c:scaling>
           <c:orientation val="minMax"/>
         </c:scaling>
@@ -924,7 +924,7 @@
             <a:endParaRPr lang="pl-PL"/>
           </a:p>
         </c:txPr>
-        <c:crossAx val="268392544"/>
+        <c:crossAx val="392036024"/>
         <c:crosses val="autoZero"/>
         <c:auto val="1"/>
         <c:lblAlgn val="ctr"/>
@@ -932,7 +932,7 @@
         <c:noMultiLvlLbl val="0"/>
       </c:catAx>
       <c:valAx>
-        <c:axId val="268392544"/>
+        <c:axId val="392036024"/>
         <c:scaling>
           <c:orientation val="minMax"/>
         </c:scaling>
@@ -1048,7 +1048,7 @@
             <a:endParaRPr lang="pl-PL"/>
           </a:p>
         </c:txPr>
-        <c:crossAx val="264425328"/>
+        <c:crossAx val="391266312"/>
         <c:crosses val="autoZero"/>
         <c:crossBetween val="between"/>
       </c:valAx>
@@ -4917,7 +4917,7 @@
           <a:p>
             <a:fld id="{59B9AD82-DDF1-4270-ACD9-442D1463AB9D}" type="datetimeFigureOut">
               <a:rPr lang="pl-PL" smtClean="0"/>
-              <a:t>2015-10-22</a:t>
+              <a:t>2015-10-23</a:t>
             </a:fld>
             <a:endParaRPr lang="pl-PL" dirty="0"/>
           </a:p>
@@ -5082,7 +5082,7 @@
           <a:p>
             <a:fld id="{7C3D76BE-27D7-443E-B3DE-A6950B964F01}" type="datetimeFigureOut">
               <a:rPr lang="pl-PL" smtClean="0"/>
-              <a:t>2015-10-22</a:t>
+              <a:t>2015-10-23</a:t>
             </a:fld>
             <a:endParaRPr lang="pl-PL" dirty="0"/>
           </a:p>
@@ -15734,7 +15734,7 @@
           <a:p>
             <a:fld id="{EB1615DA-D705-47A5-8624-E86A402AAB8A}" type="datetime1">
               <a:rPr lang="pl-PL" smtClean="0"/>
-              <a:t>2015-10-22</a:t>
+              <a:t>2015-10-23</a:t>
             </a:fld>
             <a:endParaRPr lang="pl-PL" dirty="0"/>
           </a:p>
@@ -16028,7 +16028,7 @@
           <a:p>
             <a:fld id="{BC9882A8-70E0-4361-B238-40D230230F64}" type="datetime1">
               <a:rPr lang="pl-PL" smtClean="0"/>
-              <a:t>2015-10-22</a:t>
+              <a:t>2015-10-23</a:t>
             </a:fld>
             <a:endParaRPr lang="pl-PL" dirty="0"/>
           </a:p>
@@ -16205,7 +16205,7 @@
           <a:p>
             <a:fld id="{520851BA-77DA-4D8B-8802-607D8E1A3F34}" type="datetime1">
               <a:rPr lang="pl-PL" smtClean="0"/>
-              <a:t>2015-10-22</a:t>
+              <a:t>2015-10-23</a:t>
             </a:fld>
             <a:endParaRPr lang="pl-PL" dirty="0"/>
           </a:p>
@@ -16335,7 +16335,7 @@
           <a:p>
             <a:fld id="{9A786E82-90BC-4350-87B7-E8F1ABE96372}" type="datetime1">
               <a:rPr lang="pl-PL" smtClean="0"/>
-              <a:t>2015-10-22</a:t>
+              <a:t>2015-10-23</a:t>
             </a:fld>
             <a:endParaRPr lang="pl-PL" dirty="0"/>
           </a:p>
@@ -16558,7 +16558,7 @@
           <a:p>
             <a:fld id="{A0DCFC4D-0A3E-4128-BA20-DFAA81B34B5A}" type="datetime1">
               <a:rPr lang="pl-PL" smtClean="0"/>
-              <a:t>2015-10-22</a:t>
+              <a:t>2015-10-23</a:t>
             </a:fld>
             <a:endParaRPr lang="pl-PL" dirty="0"/>
           </a:p>
@@ -16991,7 +16991,7 @@
           <a:p>
             <a:fld id="{5C0EE709-694E-4B0D-AF33-4606F8D0436B}" type="datetime1">
               <a:rPr lang="pl-PL" smtClean="0"/>
-              <a:t>2015-10-22</a:t>
+              <a:t>2015-10-23</a:t>
             </a:fld>
             <a:endParaRPr lang="pl-PL" dirty="0"/>
           </a:p>
@@ -17230,7 +17230,7 @@
           <a:p>
             <a:fld id="{68C5D55E-A0E3-4161-B6D7-AE55DC847B5A}" type="datetime1">
               <a:rPr lang="pl-PL" smtClean="0"/>
-              <a:t>2015-10-22</a:t>
+              <a:t>2015-10-23</a:t>
             </a:fld>
             <a:endParaRPr lang="pl-PL" dirty="0"/>
           </a:p>
@@ -17604,7 +17604,7 @@
           <a:p>
             <a:fld id="{CD962D76-0FB0-4AB7-8259-2D09CE71C8D1}" type="datetime1">
               <a:rPr lang="pl-PL" smtClean="0"/>
-              <a:t>2015-10-22</a:t>
+              <a:t>2015-10-23</a:t>
             </a:fld>
             <a:endParaRPr lang="pl-PL" dirty="0"/>
           </a:p>
@@ -17729,7 +17729,7 @@
           <a:p>
             <a:fld id="{E05A4A88-139D-4DB8-93B8-34BD81C591AC}" type="datetime1">
               <a:rPr lang="pl-PL" smtClean="0"/>
-              <a:t>2015-10-22</a:t>
+              <a:t>2015-10-23</a:t>
             </a:fld>
             <a:endParaRPr lang="pl-PL" dirty="0"/>
           </a:p>
@@ -17861,7 +17861,7 @@
           <a:p>
             <a:fld id="{CB4199E4-FBC3-4F7A-A512-17469B9BCEC1}" type="datetime1">
               <a:rPr lang="pl-PL" smtClean="0"/>
-              <a:t>2015-10-22</a:t>
+              <a:t>2015-10-23</a:t>
             </a:fld>
             <a:endParaRPr lang="pl-PL" dirty="0"/>
           </a:p>
@@ -18111,7 +18111,7 @@
           <a:p>
             <a:fld id="{12379EF3-71E5-4A11-8AF3-F07009D6E33E}" type="datetime1">
               <a:rPr lang="pl-PL" smtClean="0"/>
-              <a:t>2015-10-22</a:t>
+              <a:t>2015-10-23</a:t>
             </a:fld>
             <a:endParaRPr lang="pl-PL" dirty="0"/>
           </a:p>
@@ -26849,19 +26849,19 @@
             <a:pPr lvl="1"/>
             <a:r>
               <a:rPr lang="pl-PL" dirty="0" smtClean="0"/>
-              <a:t>Liczy produkt kartezjański pomiędzy buforami (np. w </a:t>
-            </a:r>
-            <a:r>
-              <a:rPr lang="pl-PL" i="1" dirty="0" err="1" smtClean="0"/>
-              <a:t>cleanup</a:t>
-            </a:r>
-            <a:r>
-              <a:rPr lang="pl-PL" i="1" dirty="0" smtClean="0"/>
-              <a:t>()</a:t>
-            </a:r>
-            <a:r>
-              <a:rPr lang="pl-PL" dirty="0" smtClean="0"/>
-              <a:t> albo po wywołaniu </a:t>
+              <a:t>Liczy produkt kartezjański pomiędzy buforami (np</a:t>
+            </a:r>
+            <a:r>
+              <a:rPr lang="pl-PL" smtClean="0"/>
+              <a:t>. </a:t>
+            </a:r>
+            <a:r>
+              <a:rPr lang="pl-PL" smtClean="0"/>
+              <a:t>po </a:t>
+            </a:r>
+            <a:r>
+              <a:rPr lang="pl-PL" dirty="0" smtClean="0"/>
+              <a:t>wywołaniu </a:t>
             </a:r>
             <a:r>
               <a:rPr lang="pl-PL" i="1" dirty="0" err="1" smtClean="0"/>
